--- a/Kikenyochi4_sekiya_jp.pptx
+++ b/Kikenyochi4_sekiya_jp.pptx
@@ -2647,7 +2647,7 @@
           <a:p>
             <a:fld id="{2DB58DA4-9A6A-495D-84AF-AD2673B2F060}" type="datetimeFigureOut">
               <a:rPr lang="en-US" smtClean="0"/>
-              <a:t>12/17/2025</a:t>
+              <a:t>12/3/2025</a:t>
             </a:fld>
             <a:endParaRPr lang="en-US"/>
           </a:p>
@@ -3008,6 +3008,100 @@
               <a:tabLst/>
               <a:defRPr/>
             </a:pPr>
+            <a:r>
+              <a:rPr lang="ja-JP" altLang="en-US" sz="1200" b="0" i="0" u="none" strike="noStrike" kern="1200" dirty="0">
+                <a:solidFill>
+                  <a:schemeClr val="tx1"/>
+                </a:solidFill>
+                <a:effectLst/>
+                <a:latin typeface="+mn-lt"/>
+                <a:ea typeface="+mn-ea"/>
+                <a:cs typeface="+mn-cs"/>
+              </a:rPr>
+              <a:t>関谷武一郎です。</a:t>
+            </a:r>
+            <a:r>
+              <a:rPr lang="ja-JP" altLang="en-US" dirty="0"/>
+              <a:t>よろしくお願いいたします。</a:t>
+            </a:r>
+            <a:r>
+              <a:rPr lang="ja-JP" altLang="en-US" sz="1200" b="0" i="0" u="none" strike="noStrike" kern="1200" dirty="0">
+                <a:solidFill>
+                  <a:schemeClr val="tx1"/>
+                </a:solidFill>
+                <a:effectLst/>
+                <a:latin typeface="+mn-lt"/>
+                <a:ea typeface="+mn-ea"/>
+                <a:cs typeface="+mn-cs"/>
+              </a:rPr>
+              <a:t>自己紹介させていただきます。</a:t>
+            </a:r>
+            <a:endParaRPr lang="ja-JP" altLang="en-US" dirty="0">
+              <a:effectLst/>
+            </a:endParaRPr>
+          </a:p>
+          <a:p>
+            <a:pPr rtl="0"/>
+            <a:r>
+              <a:rPr lang="ja-JP" altLang="en-US" sz="1200" b="0" i="0" u="none" strike="noStrike" kern="1200" dirty="0">
+                <a:solidFill>
+                  <a:schemeClr val="tx1"/>
+                </a:solidFill>
+                <a:effectLst/>
+                <a:latin typeface="+mn-lt"/>
+                <a:ea typeface="+mn-ea"/>
+                <a:cs typeface="+mn-cs"/>
+              </a:rPr>
+              <a:t>私は、普段、社内</a:t>
+            </a:r>
+            <a:r>
+              <a:rPr lang="en-US" altLang="ja-JP" sz="1200" b="0" i="0" u="none" strike="noStrike" kern="1200" dirty="0">
+                <a:solidFill>
+                  <a:schemeClr val="tx1"/>
+                </a:solidFill>
+                <a:effectLst/>
+                <a:latin typeface="+mn-lt"/>
+                <a:ea typeface="+mn-ea"/>
+                <a:cs typeface="+mn-cs"/>
+              </a:rPr>
+              <a:t>SE</a:t>
+            </a:r>
+            <a:r>
+              <a:rPr lang="ja-JP" altLang="en-US" sz="1200" b="0" i="0" u="none" strike="noStrike" kern="1200" dirty="0">
+                <a:solidFill>
+                  <a:schemeClr val="tx1"/>
+                </a:solidFill>
+                <a:effectLst/>
+                <a:latin typeface="+mn-lt"/>
+                <a:ea typeface="+mn-ea"/>
+                <a:cs typeface="+mn-cs"/>
+              </a:rPr>
+              <a:t>として勤務しておりますが、以前勤務した会社で、</a:t>
+            </a:r>
+            <a:r>
+              <a:rPr lang="en-US" altLang="ja-JP" sz="1200" b="0" i="0" u="none" strike="noStrike" kern="1200" dirty="0">
+                <a:solidFill>
+                  <a:schemeClr val="tx1"/>
+                </a:solidFill>
+                <a:effectLst/>
+                <a:latin typeface="+mn-lt"/>
+                <a:ea typeface="+mn-ea"/>
+                <a:cs typeface="+mn-cs"/>
+              </a:rPr>
+              <a:t>RTOS</a:t>
+            </a:r>
+            <a:r>
+              <a:rPr lang="ja-JP" altLang="en-US" sz="1200" b="0" i="0" u="none" strike="noStrike" kern="1200" dirty="0">
+                <a:solidFill>
+                  <a:schemeClr val="tx1"/>
+                </a:solidFill>
+                <a:effectLst/>
+                <a:latin typeface="+mn-lt"/>
+                <a:ea typeface="+mn-ea"/>
+                <a:cs typeface="+mn-cs"/>
+              </a:rPr>
+              <a:t>を使ったプリンターの開発に携わったことがあり、それ以来、副業等で組込みソフトウェアの開発を継続してきました。今回、危険予知を支援するシステムを開発しましたので、説明させていただきます。</a:t>
+            </a:r>
             <a:endParaRPr lang="en-US" altLang="ja-JP" sz="1200" b="0" i="0" u="none" strike="noStrike" kern="1200" dirty="0">
               <a:solidFill>
                 <a:schemeClr val="tx1"/>
@@ -4171,7 +4265,7 @@
           <a:p>
             <a:fld id="{6C993062-C56C-40EF-A046-A1A27A8971EC}" type="datetimeFigureOut">
               <a:rPr lang="en-US" smtClean="0"/>
-              <a:t>12/17/2025</a:t>
+              <a:t>12/3/2025</a:t>
             </a:fld>
             <a:endParaRPr lang="en-US"/>
           </a:p>
@@ -4465,7 +4559,7 @@
           <a:p>
             <a:fld id="{6C993062-C56C-40EF-A046-A1A27A8971EC}" type="datetimeFigureOut">
               <a:rPr lang="en-US" smtClean="0"/>
-              <a:t>12/17/2025</a:t>
+              <a:t>12/3/2025</a:t>
             </a:fld>
             <a:endParaRPr lang="en-US"/>
           </a:p>
@@ -4732,7 +4826,7 @@
           <a:p>
             <a:fld id="{6C993062-C56C-40EF-A046-A1A27A8971EC}" type="datetimeFigureOut">
               <a:rPr lang="en-US" smtClean="0"/>
-              <a:t>12/17/2025</a:t>
+              <a:t>12/3/2025</a:t>
             </a:fld>
             <a:endParaRPr lang="en-US"/>
           </a:p>
@@ -5011,7 +5105,7 @@
           <a:p>
             <a:fld id="{6C993062-C56C-40EF-A046-A1A27A8971EC}" type="datetimeFigureOut">
               <a:rPr lang="en-US" smtClean="0"/>
-              <a:t>12/17/2025</a:t>
+              <a:t>12/3/2025</a:t>
             </a:fld>
             <a:endParaRPr lang="en-US"/>
           </a:p>
@@ -5318,7 +5412,7 @@
           <a:p>
             <a:fld id="{6C993062-C56C-40EF-A046-A1A27A8971EC}" type="datetimeFigureOut">
               <a:rPr lang="en-US" smtClean="0"/>
-              <a:t>12/17/2025</a:t>
+              <a:t>12/3/2025</a:t>
             </a:fld>
             <a:endParaRPr lang="en-US"/>
           </a:p>
@@ -5684,7 +5778,7 @@
           <a:p>
             <a:fld id="{6C993062-C56C-40EF-A046-A1A27A8971EC}" type="datetimeFigureOut">
               <a:rPr lang="en-US" smtClean="0"/>
-              <a:t>12/17/2025</a:t>
+              <a:t>12/3/2025</a:t>
             </a:fld>
             <a:endParaRPr lang="en-US"/>
           </a:p>
@@ -6170,7 +6264,7 @@
           <a:p>
             <a:fld id="{6C993062-C56C-40EF-A046-A1A27A8971EC}" type="datetimeFigureOut">
               <a:rPr lang="en-US" smtClean="0"/>
-              <a:t>12/17/2025</a:t>
+              <a:t>12/3/2025</a:t>
             </a:fld>
             <a:endParaRPr lang="en-US"/>
           </a:p>
@@ -6332,7 +6426,7 @@
           <a:p>
             <a:fld id="{6C993062-C56C-40EF-A046-A1A27A8971EC}" type="datetimeFigureOut">
               <a:rPr lang="en-US" smtClean="0"/>
-              <a:t>12/17/2025</a:t>
+              <a:t>12/3/2025</a:t>
             </a:fld>
             <a:endParaRPr lang="en-US"/>
           </a:p>
@@ -6427,7 +6521,7 @@
           <a:p>
             <a:fld id="{6C993062-C56C-40EF-A046-A1A27A8971EC}" type="datetimeFigureOut">
               <a:rPr lang="en-US" smtClean="0"/>
-              <a:t>12/17/2025</a:t>
+              <a:t>12/3/2025</a:t>
             </a:fld>
             <a:endParaRPr lang="en-US"/>
           </a:p>
@@ -6837,7 +6931,7 @@
           <a:p>
             <a:fld id="{6C993062-C56C-40EF-A046-A1A27A8971EC}" type="datetimeFigureOut">
               <a:rPr lang="en-US" smtClean="0"/>
-              <a:t>12/17/2025</a:t>
+              <a:t>12/3/2025</a:t>
             </a:fld>
             <a:endParaRPr lang="en-US"/>
           </a:p>
@@ -7126,7 +7220,7 @@
           <a:p>
             <a:fld id="{6C993062-C56C-40EF-A046-A1A27A8971EC}" type="datetimeFigureOut">
               <a:rPr lang="en-US" smtClean="0"/>
-              <a:t>12/17/2025</a:t>
+              <a:t>12/3/2025</a:t>
             </a:fld>
             <a:endParaRPr lang="en-US"/>
           </a:p>
@@ -7369,7 +7463,7 @@
           <a:p>
             <a:fld id="{6C993062-C56C-40EF-A046-A1A27A8971EC}" type="datetimeFigureOut">
               <a:rPr lang="en-US" smtClean="0"/>
-              <a:t>12/17/2025</a:t>
+              <a:t>12/3/2025</a:t>
             </a:fld>
             <a:endParaRPr lang="en-US"/>
           </a:p>
@@ -8268,7 +8362,7 @@
         <p:spPr/>
         <p:txBody>
           <a:bodyPr>
-            <a:normAutofit/>
+            <a:normAutofit lnSpcReduction="10000"/>
           </a:bodyPr>
           <a:lstStyle/>
           <a:p>
@@ -8313,6 +8407,41 @@
             <a:r>
               <a:rPr lang="ja-JP" altLang="en-US" dirty="0"/>
               <a:t>サポートセンター</a:t>
+            </a:r>
+            <a:endParaRPr lang="en-US" altLang="ja-JP" dirty="0"/>
+          </a:p>
+          <a:p>
+            <a:pPr lvl="1"/>
+            <a:r>
+              <a:rPr lang="ja-JP" altLang="en-US" dirty="0"/>
+              <a:t>星条旗新聞社（</a:t>
+            </a:r>
+            <a:r>
+              <a:rPr lang="en-US" altLang="ja-JP" dirty="0"/>
+              <a:t>Stars and Stripes, Pacific</a:t>
+            </a:r>
+            <a:r>
+              <a:rPr lang="ja-JP" altLang="en-US" dirty="0"/>
+              <a:t>）</a:t>
+            </a:r>
+            <a:endParaRPr lang="en-US" altLang="ja-JP" dirty="0"/>
+          </a:p>
+          <a:p>
+            <a:pPr lvl="1"/>
+            <a:r>
+              <a:rPr lang="ja-JP" altLang="en-US" dirty="0"/>
+              <a:t>株式会社</a:t>
+            </a:r>
+            <a:r>
+              <a:rPr lang="en-US" altLang="ja-JP" dirty="0"/>
+              <a:t>CYBO</a:t>
+            </a:r>
+          </a:p>
+          <a:p>
+            <a:pPr lvl="1"/>
+            <a:r>
+              <a:rPr lang="ja-JP" altLang="en-US" dirty="0"/>
+              <a:t>関谷由紀房、関谷美保、満田あさみ</a:t>
             </a:r>
             <a:endParaRPr lang="en-US" altLang="ja-JP" dirty="0"/>
           </a:p>

--- a/Kikenyochi4_sekiya_jp.pptx
+++ b/Kikenyochi4_sekiya_jp.pptx
@@ -2647,7 +2647,7 @@
           <a:p>
             <a:fld id="{2DB58DA4-9A6A-495D-84AF-AD2673B2F060}" type="datetimeFigureOut">
               <a:rPr lang="en-US" smtClean="0"/>
-              <a:t>12/3/2025</a:t>
+              <a:t>12/17/2025</a:t>
             </a:fld>
             <a:endParaRPr lang="en-US"/>
           </a:p>
@@ -3008,100 +3008,6 @@
               <a:tabLst/>
               <a:defRPr/>
             </a:pPr>
-            <a:r>
-              <a:rPr lang="ja-JP" altLang="en-US" sz="1200" b="0" i="0" u="none" strike="noStrike" kern="1200" dirty="0">
-                <a:solidFill>
-                  <a:schemeClr val="tx1"/>
-                </a:solidFill>
-                <a:effectLst/>
-                <a:latin typeface="+mn-lt"/>
-                <a:ea typeface="+mn-ea"/>
-                <a:cs typeface="+mn-cs"/>
-              </a:rPr>
-              <a:t>関谷武一郎です。</a:t>
-            </a:r>
-            <a:r>
-              <a:rPr lang="ja-JP" altLang="en-US" dirty="0"/>
-              <a:t>よろしくお願いいたします。</a:t>
-            </a:r>
-            <a:r>
-              <a:rPr lang="ja-JP" altLang="en-US" sz="1200" b="0" i="0" u="none" strike="noStrike" kern="1200" dirty="0">
-                <a:solidFill>
-                  <a:schemeClr val="tx1"/>
-                </a:solidFill>
-                <a:effectLst/>
-                <a:latin typeface="+mn-lt"/>
-                <a:ea typeface="+mn-ea"/>
-                <a:cs typeface="+mn-cs"/>
-              </a:rPr>
-              <a:t>自己紹介させていただきます。</a:t>
-            </a:r>
-            <a:endParaRPr lang="ja-JP" altLang="en-US" dirty="0">
-              <a:effectLst/>
-            </a:endParaRPr>
-          </a:p>
-          <a:p>
-            <a:pPr rtl="0"/>
-            <a:r>
-              <a:rPr lang="ja-JP" altLang="en-US" sz="1200" b="0" i="0" u="none" strike="noStrike" kern="1200" dirty="0">
-                <a:solidFill>
-                  <a:schemeClr val="tx1"/>
-                </a:solidFill>
-                <a:effectLst/>
-                <a:latin typeface="+mn-lt"/>
-                <a:ea typeface="+mn-ea"/>
-                <a:cs typeface="+mn-cs"/>
-              </a:rPr>
-              <a:t>私は、普段、社内</a:t>
-            </a:r>
-            <a:r>
-              <a:rPr lang="en-US" altLang="ja-JP" sz="1200" b="0" i="0" u="none" strike="noStrike" kern="1200" dirty="0">
-                <a:solidFill>
-                  <a:schemeClr val="tx1"/>
-                </a:solidFill>
-                <a:effectLst/>
-                <a:latin typeface="+mn-lt"/>
-                <a:ea typeface="+mn-ea"/>
-                <a:cs typeface="+mn-cs"/>
-              </a:rPr>
-              <a:t>SE</a:t>
-            </a:r>
-            <a:r>
-              <a:rPr lang="ja-JP" altLang="en-US" sz="1200" b="0" i="0" u="none" strike="noStrike" kern="1200" dirty="0">
-                <a:solidFill>
-                  <a:schemeClr val="tx1"/>
-                </a:solidFill>
-                <a:effectLst/>
-                <a:latin typeface="+mn-lt"/>
-                <a:ea typeface="+mn-ea"/>
-                <a:cs typeface="+mn-cs"/>
-              </a:rPr>
-              <a:t>として勤務しておりますが、以前勤務した会社で、</a:t>
-            </a:r>
-            <a:r>
-              <a:rPr lang="en-US" altLang="ja-JP" sz="1200" b="0" i="0" u="none" strike="noStrike" kern="1200" dirty="0">
-                <a:solidFill>
-                  <a:schemeClr val="tx1"/>
-                </a:solidFill>
-                <a:effectLst/>
-                <a:latin typeface="+mn-lt"/>
-                <a:ea typeface="+mn-ea"/>
-                <a:cs typeface="+mn-cs"/>
-              </a:rPr>
-              <a:t>RTOS</a:t>
-            </a:r>
-            <a:r>
-              <a:rPr lang="ja-JP" altLang="en-US" sz="1200" b="0" i="0" u="none" strike="noStrike" kern="1200" dirty="0">
-                <a:solidFill>
-                  <a:schemeClr val="tx1"/>
-                </a:solidFill>
-                <a:effectLst/>
-                <a:latin typeface="+mn-lt"/>
-                <a:ea typeface="+mn-ea"/>
-                <a:cs typeface="+mn-cs"/>
-              </a:rPr>
-              <a:t>を使ったプリンターの開発に携わったことがあり、それ以来、副業等で組込みソフトウェアの開発を継続してきました。今回、危険予知を支援するシステムを開発しましたので、説明させていただきます。</a:t>
-            </a:r>
             <a:endParaRPr lang="en-US" altLang="ja-JP" sz="1200" b="0" i="0" u="none" strike="noStrike" kern="1200" dirty="0">
               <a:solidFill>
                 <a:schemeClr val="tx1"/>
@@ -4265,7 +4171,7 @@
           <a:p>
             <a:fld id="{6C993062-C56C-40EF-A046-A1A27A8971EC}" type="datetimeFigureOut">
               <a:rPr lang="en-US" smtClean="0"/>
-              <a:t>12/3/2025</a:t>
+              <a:t>12/17/2025</a:t>
             </a:fld>
             <a:endParaRPr lang="en-US"/>
           </a:p>
@@ -4559,7 +4465,7 @@
           <a:p>
             <a:fld id="{6C993062-C56C-40EF-A046-A1A27A8971EC}" type="datetimeFigureOut">
               <a:rPr lang="en-US" smtClean="0"/>
-              <a:t>12/3/2025</a:t>
+              <a:t>12/17/2025</a:t>
             </a:fld>
             <a:endParaRPr lang="en-US"/>
           </a:p>
@@ -4826,7 +4732,7 @@
           <a:p>
             <a:fld id="{6C993062-C56C-40EF-A046-A1A27A8971EC}" type="datetimeFigureOut">
               <a:rPr lang="en-US" smtClean="0"/>
-              <a:t>12/3/2025</a:t>
+              <a:t>12/17/2025</a:t>
             </a:fld>
             <a:endParaRPr lang="en-US"/>
           </a:p>
@@ -5105,7 +5011,7 @@
           <a:p>
             <a:fld id="{6C993062-C56C-40EF-A046-A1A27A8971EC}" type="datetimeFigureOut">
               <a:rPr lang="en-US" smtClean="0"/>
-              <a:t>12/3/2025</a:t>
+              <a:t>12/17/2025</a:t>
             </a:fld>
             <a:endParaRPr lang="en-US"/>
           </a:p>
@@ -5412,7 +5318,7 @@
           <a:p>
             <a:fld id="{6C993062-C56C-40EF-A046-A1A27A8971EC}" type="datetimeFigureOut">
               <a:rPr lang="en-US" smtClean="0"/>
-              <a:t>12/3/2025</a:t>
+              <a:t>12/17/2025</a:t>
             </a:fld>
             <a:endParaRPr lang="en-US"/>
           </a:p>
@@ -5778,7 +5684,7 @@
           <a:p>
             <a:fld id="{6C993062-C56C-40EF-A046-A1A27A8971EC}" type="datetimeFigureOut">
               <a:rPr lang="en-US" smtClean="0"/>
-              <a:t>12/3/2025</a:t>
+              <a:t>12/17/2025</a:t>
             </a:fld>
             <a:endParaRPr lang="en-US"/>
           </a:p>
@@ -6264,7 +6170,7 @@
           <a:p>
             <a:fld id="{6C993062-C56C-40EF-A046-A1A27A8971EC}" type="datetimeFigureOut">
               <a:rPr lang="en-US" smtClean="0"/>
-              <a:t>12/3/2025</a:t>
+              <a:t>12/17/2025</a:t>
             </a:fld>
             <a:endParaRPr lang="en-US"/>
           </a:p>
@@ -6426,7 +6332,7 @@
           <a:p>
             <a:fld id="{6C993062-C56C-40EF-A046-A1A27A8971EC}" type="datetimeFigureOut">
               <a:rPr lang="en-US" smtClean="0"/>
-              <a:t>12/3/2025</a:t>
+              <a:t>12/17/2025</a:t>
             </a:fld>
             <a:endParaRPr lang="en-US"/>
           </a:p>
@@ -6521,7 +6427,7 @@
           <a:p>
             <a:fld id="{6C993062-C56C-40EF-A046-A1A27A8971EC}" type="datetimeFigureOut">
               <a:rPr lang="en-US" smtClean="0"/>
-              <a:t>12/3/2025</a:t>
+              <a:t>12/17/2025</a:t>
             </a:fld>
             <a:endParaRPr lang="en-US"/>
           </a:p>
@@ -6931,7 +6837,7 @@
           <a:p>
             <a:fld id="{6C993062-C56C-40EF-A046-A1A27A8971EC}" type="datetimeFigureOut">
               <a:rPr lang="en-US" smtClean="0"/>
-              <a:t>12/3/2025</a:t>
+              <a:t>12/17/2025</a:t>
             </a:fld>
             <a:endParaRPr lang="en-US"/>
           </a:p>
@@ -7220,7 +7126,7 @@
           <a:p>
             <a:fld id="{6C993062-C56C-40EF-A046-A1A27A8971EC}" type="datetimeFigureOut">
               <a:rPr lang="en-US" smtClean="0"/>
-              <a:t>12/3/2025</a:t>
+              <a:t>12/17/2025</a:t>
             </a:fld>
             <a:endParaRPr lang="en-US"/>
           </a:p>
@@ -7463,7 +7369,7 @@
           <a:p>
             <a:fld id="{6C993062-C56C-40EF-A046-A1A27A8971EC}" type="datetimeFigureOut">
               <a:rPr lang="en-US" smtClean="0"/>
-              <a:t>12/3/2025</a:t>
+              <a:t>12/17/2025</a:t>
             </a:fld>
             <a:endParaRPr lang="en-US"/>
           </a:p>
